--- a/Projet BNJ METEO.pptx
+++ b/Projet BNJ METEO.pptx
@@ -5,10 +5,10 @@
     <p:sldMasterId id="2147483648" r:id="rId1"/>
   </p:sldMasterIdLst>
   <p:notesMasterIdLst>
-    <p:notesMasterId r:id="rId16"/>
+    <p:notesMasterId r:id="rId17"/>
   </p:notesMasterIdLst>
   <p:handoutMasterIdLst>
-    <p:handoutMasterId r:id="rId17"/>
+    <p:handoutMasterId r:id="rId18"/>
   </p:handoutMasterIdLst>
   <p:sldIdLst>
     <p:sldId id="256" r:id="rId2"/>
@@ -24,7 +24,8 @@
     <p:sldId id="266" r:id="rId12"/>
     <p:sldId id="267" r:id="rId13"/>
     <p:sldId id="268" r:id="rId14"/>
-    <p:sldId id="269" r:id="rId15"/>
+    <p:sldId id="271" r:id="rId15"/>
+    <p:sldId id="269" r:id="rId16"/>
   </p:sldIdLst>
   <p:sldSz cx="12192000" cy="6858000"/>
   <p:notesSz cx="6858000" cy="9144000"/>
@@ -2213,7 +2214,7 @@
           <a:blip xmlns:r="http://schemas.openxmlformats.org/officeDocument/2006/relationships" r:embed="rId1">
             <a:extLst>
               <a:ext uri="{837473B0-CC2E-450A-ABE3-18F120FF3D39}">
-                <a1611:picAttrSrcUrl xmlns:a1611="http://schemas.microsoft.com/office/drawing/2016/11/main" xmlns="" r:id="rId2"/>
+                <a1611:picAttrSrcUrl xmlns="" xmlns:a1611="http://schemas.microsoft.com/office/drawing/2016/11/main" r:id="rId2"/>
               </a:ext>
             </a:extLst>
           </a:blip>
@@ -2274,7 +2275,7 @@
           <a:blip xmlns:r="http://schemas.openxmlformats.org/officeDocument/2006/relationships" r:embed="rId3">
             <a:extLst>
               <a:ext uri="{837473B0-CC2E-450A-ABE3-18F120FF3D39}">
-                <a1611:picAttrSrcUrl xmlns:a1611="http://schemas.microsoft.com/office/drawing/2016/11/main" xmlns="" r:id="rId4"/>
+                <a1611:picAttrSrcUrl xmlns="" xmlns:a1611="http://schemas.microsoft.com/office/drawing/2016/11/main" r:id="rId4"/>
               </a:ext>
             </a:extLst>
           </a:blip>
@@ -2377,13 +2378,13 @@
     <dgm:cxn modelId="{743C4563-28F3-4ED5-ABB6-17673777AB69}" type="presOf" srcId="{C07BC5DB-EEDD-4000-B555-939FCD0C9960}" destId="{8EA8BCA8-9953-4E02-BF06-3E5FE2C69550}" srcOrd="0" destOrd="2" presId="urn:microsoft.com/office/officeart/2005/8/layout/hList2"/>
     <dgm:cxn modelId="{052E20B7-0F13-4CEB-9C73-94D861FB71A3}" type="presOf" srcId="{D3C07BA7-1217-464A-ACC3-A15F4EF976CC}" destId="{F5E839FE-7DC9-44C2-8712-13E8FD3E6CD4}" srcOrd="0" destOrd="0" presId="urn:microsoft.com/office/officeart/2005/8/layout/hList2"/>
     <dgm:cxn modelId="{90B2E27D-A562-4EAC-9B31-28096351D9F4}" type="presOf" srcId="{EDEBA6C7-DCF2-4C72-B993-2DDEACCEBC91}" destId="{8EA8BCA8-9953-4E02-BF06-3E5FE2C69550}" srcOrd="0" destOrd="4" presId="urn:microsoft.com/office/officeart/2005/8/layout/hList2"/>
+    <dgm:cxn modelId="{ABD93AEF-F809-4EC7-BFA7-B49D6243D60F}" type="presOf" srcId="{F251BB97-BF06-414F-A7A4-34723C92601D}" destId="{8EA8BCA8-9953-4E02-BF06-3E5FE2C69550}" srcOrd="0" destOrd="3" presId="urn:microsoft.com/office/officeart/2005/8/layout/hList2"/>
     <dgm:cxn modelId="{8AC7BA58-C56A-4D7B-8DFF-1BADC25950A7}" type="presOf" srcId="{7FBBAB2E-2D60-4842-9EA6-A2E845BE78EB}" destId="{2FB8C277-01DF-4D3E-86C1-D631AE6714FD}" srcOrd="0" destOrd="0" presId="urn:microsoft.com/office/officeart/2005/8/layout/hList2"/>
-    <dgm:cxn modelId="{ABD93AEF-F809-4EC7-BFA7-B49D6243D60F}" type="presOf" srcId="{F251BB97-BF06-414F-A7A4-34723C92601D}" destId="{8EA8BCA8-9953-4E02-BF06-3E5FE2C69550}" srcOrd="0" destOrd="3" presId="urn:microsoft.com/office/officeart/2005/8/layout/hList2"/>
     <dgm:cxn modelId="{05B5D2B0-A61E-43B2-A8EB-F6F0F034A282}" srcId="{35E936E5-84EF-46A3-A246-CCAF3D26C029}" destId="{D3C07BA7-1217-464A-ACC3-A15F4EF976CC}" srcOrd="0" destOrd="0" parTransId="{4D9ECBDF-00DF-4A87-ACE7-F020C29C7F3B}" sibTransId="{9AA75374-1060-4F54-8135-DB7DCF7DD18D}"/>
     <dgm:cxn modelId="{0E1D4EFF-BACC-4EA7-9A87-A971AB19F34A}" srcId="{7FBBAB2E-2D60-4842-9EA6-A2E845BE78EB}" destId="{D6D5499F-8AD8-4E9C-B6D3-DC10BEBD203D}" srcOrd="1" destOrd="0" parTransId="{71A7A9DD-1C25-40A2-A3C4-84BE940E1FF3}" sibTransId="{5982EFDD-6CA6-429C-9B48-42EFE7E230B3}"/>
-    <dgm:cxn modelId="{26646149-D965-436C-BBBA-49238E26D8D7}" srcId="{7FBBAB2E-2D60-4842-9EA6-A2E845BE78EB}" destId="{7169A64B-50E7-4820-BD3F-FA0ED7ACA55F}" srcOrd="0" destOrd="0" parTransId="{B082F730-2928-4895-8B8D-86061DB777B8}" sibTransId="{143BA976-953E-42A0-9741-A045E270A5E5}"/>
     <dgm:cxn modelId="{E086B889-F64F-4529-B31C-98BBB75B9017}" type="presOf" srcId="{7169A64B-50E7-4820-BD3F-FA0ED7ACA55F}" destId="{8EA8BCA8-9953-4E02-BF06-3E5FE2C69550}" srcOrd="0" destOrd="0" presId="urn:microsoft.com/office/officeart/2005/8/layout/hList2"/>
     <dgm:cxn modelId="{03B1DC4B-D056-446E-B0F4-D364EE763EB7}" type="presOf" srcId="{B7FE47EF-BF27-4E42-96D5-3095694C78B3}" destId="{7EEF4FB8-AFD7-4A54-A29F-5BF4909AB3A1}" srcOrd="0" destOrd="0" presId="urn:microsoft.com/office/officeart/2005/8/layout/hList2"/>
+    <dgm:cxn modelId="{26646149-D965-436C-BBBA-49238E26D8D7}" srcId="{7FBBAB2E-2D60-4842-9EA6-A2E845BE78EB}" destId="{7169A64B-50E7-4820-BD3F-FA0ED7ACA55F}" srcOrd="0" destOrd="0" parTransId="{B082F730-2928-4895-8B8D-86061DB777B8}" sibTransId="{143BA976-953E-42A0-9741-A045E270A5E5}"/>
     <dgm:cxn modelId="{21C62073-53BC-469A-AD01-830C6848826B}" srcId="{7FBBAB2E-2D60-4842-9EA6-A2E845BE78EB}" destId="{F251BB97-BF06-414F-A7A4-34723C92601D}" srcOrd="3" destOrd="0" parTransId="{B84DE45B-B327-4814-8096-1DD068358AB7}" sibTransId="{120517C1-7284-46B6-BF5F-DAC98BFB3985}"/>
     <dgm:cxn modelId="{7158EE14-337C-467D-B755-2153117ED3E4}" srcId="{D3C07BA7-1217-464A-ACC3-A15F4EF976CC}" destId="{3DACA5BD-7921-4BE3-90C6-3ECB1E3A5BF0}" srcOrd="2" destOrd="0" parTransId="{FB76DC5A-2FD0-4F99-AF57-881C5ED2FFED}" sibTransId="{CF8FBD07-A066-403A-9C4F-9E86035CE7DC}"/>
     <dgm:cxn modelId="{FC3ED64A-50F6-4F9F-99DC-25DC965065E3}" srcId="{35E936E5-84EF-46A3-A246-CCAF3D26C029}" destId="{7FBBAB2E-2D60-4842-9EA6-A2E845BE78EB}" srcOrd="1" destOrd="0" parTransId="{805EC5D1-2B81-44DC-810E-1B1EC1A821FD}" sibTransId="{D037015D-4DF6-4B4B-A8F3-ED66BDF7448E}"/>
@@ -3123,7 +3124,7 @@
           <a:blip xmlns:r="http://schemas.openxmlformats.org/officeDocument/2006/relationships" r:embed="rId1">
             <a:extLst>
               <a:ext uri="{837473B0-CC2E-450A-ABE3-18F120FF3D39}">
-                <a1611:picAttrSrcUrl xmlns:a1611="http://schemas.microsoft.com/office/drawing/2016/11/main" xmlns="" r:id="rId2"/>
+                <a1611:picAttrSrcUrl xmlns="" xmlns:a1611="http://schemas.microsoft.com/office/drawing/2016/11/main" r:id="rId2"/>
               </a:ext>
             </a:extLst>
           </a:blip>
@@ -3385,7 +3386,7 @@
           <a:blip xmlns:r="http://schemas.openxmlformats.org/officeDocument/2006/relationships" r:embed="rId3">
             <a:extLst>
               <a:ext uri="{837473B0-CC2E-450A-ABE3-18F120FF3D39}">
-                <a1611:picAttrSrcUrl xmlns:a1611="http://schemas.microsoft.com/office/drawing/2016/11/main" xmlns="" r:id="rId4"/>
+                <a1611:picAttrSrcUrl xmlns="" xmlns:a1611="http://schemas.microsoft.com/office/drawing/2016/11/main" r:id="rId4"/>
               </a:ext>
             </a:extLst>
           </a:blip>
@@ -7136,7 +7137,7 @@
           <a:p>
             <a:fld id="{AA391008-5F26-4CE1-B20E-BFCB072E38E1}" type="datetimeFigureOut">
               <a:rPr lang="fr-FR" smtClean="0"/>
-              <a:t>09/05/2020</a:t>
+              <a:t>11/05/2020</a:t>
             </a:fld>
             <a:endParaRPr lang="fr-FR"/>
           </a:p>
@@ -7317,7 +7318,7 @@
           <a:p>
             <a:fld id="{73CEBD20-F2C0-44C7-A7B7-D050FE0DEA48}" type="datetimeFigureOut">
               <a:rPr lang="fr-FR" smtClean="0"/>
-              <a:t>09/05/2020</a:t>
+              <a:t>11/05/2020</a:t>
             </a:fld>
             <a:endParaRPr lang="fr-FR"/>
           </a:p>
@@ -7586,6 +7587,751 @@
     </a:lvl9pPr>
   </p:notesStyle>
 </p:notesMaster>
+</file>
+
+<file path=ppt/notesSlides/notesSlide1.xml><?xml version="1.0" encoding="utf-8"?>
+<p:notes xmlns:a="http://schemas.openxmlformats.org/drawingml/2006/main" xmlns:r="http://schemas.openxmlformats.org/officeDocument/2006/relationships" xmlns:p="http://schemas.openxmlformats.org/presentationml/2006/main">
+  <p:cSld>
+    <p:spTree>
+      <p:nvGrpSpPr>
+        <p:cNvPr id="1" name=""/>
+        <p:cNvGrpSpPr/>
+        <p:nvPr/>
+      </p:nvGrpSpPr>
+      <p:grpSpPr>
+        <a:xfrm>
+          <a:off x="0" y="0"/>
+          <a:ext cx="0" cy="0"/>
+          <a:chOff x="0" y="0"/>
+          <a:chExt cx="0" cy="0"/>
+        </a:xfrm>
+      </p:grpSpPr>
+      <p:sp>
+        <p:nvSpPr>
+          <p:cNvPr id="2" name="Espace réservé de l'image des diapositives 1"/>
+          <p:cNvSpPr>
+            <a:spLocks noGrp="1" noRot="1" noChangeAspect="1"/>
+          </p:cNvSpPr>
+          <p:nvPr>
+            <p:ph type="sldImg"/>
+          </p:nvPr>
+        </p:nvSpPr>
+        <p:spPr/>
+      </p:sp>
+      <p:sp>
+        <p:nvSpPr>
+          <p:cNvPr id="3" name="Espace réservé des notes 2"/>
+          <p:cNvSpPr>
+            <a:spLocks noGrp="1"/>
+          </p:cNvSpPr>
+          <p:nvPr>
+            <p:ph type="body" idx="1"/>
+          </p:nvPr>
+        </p:nvSpPr>
+        <p:spPr/>
+        <p:txBody>
+          <a:bodyPr/>
+          <a:lstStyle/>
+          <a:p>
+            <a:r>
+              <a:rPr lang="fr-FR" dirty="0" smtClean="0"/>
+              <a:t>Bonjour, nous sommes le groupe BNJ Météo et je vais vous présenter</a:t>
+            </a:r>
+            <a:r>
+              <a:rPr lang="fr-FR" baseline="0" dirty="0" smtClean="0"/>
+              <a:t> notre projet à travers cette diapositive, tout au long de l’année avec </a:t>
+            </a:r>
+            <a:r>
+              <a:rPr lang="fr-FR" baseline="0" dirty="0" err="1" smtClean="0"/>
+              <a:t>Bihane</a:t>
+            </a:r>
+            <a:r>
+              <a:rPr lang="fr-FR" baseline="0" dirty="0" smtClean="0"/>
+              <a:t> Le Port et Jimmy </a:t>
+            </a:r>
+            <a:r>
+              <a:rPr lang="fr-FR" baseline="0" dirty="0" err="1" smtClean="0"/>
+              <a:t>Mosbah</a:t>
+            </a:r>
+            <a:r>
+              <a:rPr lang="fr-FR" baseline="0" dirty="0" smtClean="0"/>
+              <a:t> et moi-même Nassim Jalal nous avons travaillé et mis nos ressources en commun afin de réaliser une station météo</a:t>
+            </a:r>
+            <a:endParaRPr lang="fr-FR" dirty="0"/>
+          </a:p>
+        </p:txBody>
+      </p:sp>
+      <p:sp>
+        <p:nvSpPr>
+          <p:cNvPr id="4" name="Espace réservé du pied de page 3"/>
+          <p:cNvSpPr>
+            <a:spLocks noGrp="1"/>
+          </p:cNvSpPr>
+          <p:nvPr>
+            <p:ph type="ftr" sz="quarter" idx="10"/>
+          </p:nvPr>
+        </p:nvSpPr>
+        <p:spPr/>
+        <p:txBody>
+          <a:bodyPr/>
+          <a:lstStyle/>
+          <a:p>
+            <a:r>
+              <a:rPr lang="fr-FR" smtClean="0"/>
+              <a:t>IUT NICE CÔTE D'AZUR</a:t>
+            </a:r>
+            <a:endParaRPr lang="fr-FR"/>
+          </a:p>
+        </p:txBody>
+      </p:sp>
+    </p:spTree>
+    <p:extLst>
+      <p:ext uri="{BB962C8B-B14F-4D97-AF65-F5344CB8AC3E}">
+        <p14:creationId xmlns:p14="http://schemas.microsoft.com/office/powerpoint/2010/main" val="103545985"/>
+      </p:ext>
+    </p:extLst>
+  </p:cSld>
+  <p:clrMapOvr>
+    <a:masterClrMapping/>
+  </p:clrMapOvr>
+</p:notes>
+</file>
+
+<file path=ppt/notesSlides/notesSlide2.xml><?xml version="1.0" encoding="utf-8"?>
+<p:notes xmlns:a="http://schemas.openxmlformats.org/drawingml/2006/main" xmlns:r="http://schemas.openxmlformats.org/officeDocument/2006/relationships" xmlns:p="http://schemas.openxmlformats.org/presentationml/2006/main">
+  <p:cSld>
+    <p:spTree>
+      <p:nvGrpSpPr>
+        <p:cNvPr id="1" name=""/>
+        <p:cNvGrpSpPr/>
+        <p:nvPr/>
+      </p:nvGrpSpPr>
+      <p:grpSpPr>
+        <a:xfrm>
+          <a:off x="0" y="0"/>
+          <a:ext cx="0" cy="0"/>
+          <a:chOff x="0" y="0"/>
+          <a:chExt cx="0" cy="0"/>
+        </a:xfrm>
+      </p:grpSpPr>
+      <p:sp>
+        <p:nvSpPr>
+          <p:cNvPr id="2" name="Espace réservé de l'image des diapositives 1"/>
+          <p:cNvSpPr>
+            <a:spLocks noGrp="1" noRot="1" noChangeAspect="1"/>
+          </p:cNvSpPr>
+          <p:nvPr>
+            <p:ph type="sldImg"/>
+          </p:nvPr>
+        </p:nvSpPr>
+        <p:spPr/>
+      </p:sp>
+      <p:sp>
+        <p:nvSpPr>
+          <p:cNvPr id="3" name="Espace réservé des notes 2"/>
+          <p:cNvSpPr>
+            <a:spLocks noGrp="1"/>
+          </p:cNvSpPr>
+          <p:nvPr>
+            <p:ph type="body" idx="1"/>
+          </p:nvPr>
+        </p:nvSpPr>
+        <p:spPr/>
+        <p:txBody>
+          <a:bodyPr/>
+          <a:lstStyle/>
+          <a:p>
+            <a:r>
+              <a:rPr lang="fr-FR" dirty="0" smtClean="0"/>
+              <a:t>Je vous</a:t>
+            </a:r>
+            <a:r>
+              <a:rPr lang="fr-FR" baseline="0" dirty="0" smtClean="0"/>
+              <a:t> présente comment va se dérouler la diapositive au fur et à mesure.</a:t>
+            </a:r>
+          </a:p>
+          <a:p>
+            <a:r>
+              <a:rPr lang="fr-FR" baseline="0" dirty="0" smtClean="0"/>
+              <a:t>Nous allons aborder l’intro et les objectifs généraux du projet, les fonctionnalités qui étaient attendus et la répartition de chaque fonctionnalité par module.</a:t>
+            </a:r>
+          </a:p>
+          <a:p>
+            <a:r>
+              <a:rPr lang="fr-FR" baseline="0" dirty="0" smtClean="0"/>
+              <a:t>Comment nous avons réparti le travail entre nous, les résultats obtenus et ensuite nous finirions sur une conclusion pour clore le projet et la diapo.</a:t>
+            </a:r>
+          </a:p>
+          <a:p>
+            <a:r>
+              <a:rPr lang="fr-FR" baseline="0" dirty="0" smtClean="0"/>
+              <a:t>Une démonstration sera montré à la fin de la diapositive</a:t>
+            </a:r>
+            <a:endParaRPr lang="fr-FR" dirty="0"/>
+          </a:p>
+        </p:txBody>
+      </p:sp>
+      <p:sp>
+        <p:nvSpPr>
+          <p:cNvPr id="4" name="Espace réservé du pied de page 3"/>
+          <p:cNvSpPr>
+            <a:spLocks noGrp="1"/>
+          </p:cNvSpPr>
+          <p:nvPr>
+            <p:ph type="ftr" sz="quarter" idx="10"/>
+          </p:nvPr>
+        </p:nvSpPr>
+        <p:spPr/>
+        <p:txBody>
+          <a:bodyPr/>
+          <a:lstStyle/>
+          <a:p>
+            <a:r>
+              <a:rPr lang="fr-FR" smtClean="0"/>
+              <a:t>IUT NICE CÔTE D'AZUR</a:t>
+            </a:r>
+            <a:endParaRPr lang="fr-FR"/>
+          </a:p>
+        </p:txBody>
+      </p:sp>
+    </p:spTree>
+    <p:extLst>
+      <p:ext uri="{BB962C8B-B14F-4D97-AF65-F5344CB8AC3E}">
+        <p14:creationId xmlns:p14="http://schemas.microsoft.com/office/powerpoint/2010/main" val="1972280274"/>
+      </p:ext>
+    </p:extLst>
+  </p:cSld>
+  <p:clrMapOvr>
+    <a:masterClrMapping/>
+  </p:clrMapOvr>
+</p:notes>
+</file>
+
+<file path=ppt/notesSlides/notesSlide3.xml><?xml version="1.0" encoding="utf-8"?>
+<p:notes xmlns:a="http://schemas.openxmlformats.org/drawingml/2006/main" xmlns:r="http://schemas.openxmlformats.org/officeDocument/2006/relationships" xmlns:p="http://schemas.openxmlformats.org/presentationml/2006/main">
+  <p:cSld>
+    <p:spTree>
+      <p:nvGrpSpPr>
+        <p:cNvPr id="1" name=""/>
+        <p:cNvGrpSpPr/>
+        <p:nvPr/>
+      </p:nvGrpSpPr>
+      <p:grpSpPr>
+        <a:xfrm>
+          <a:off x="0" y="0"/>
+          <a:ext cx="0" cy="0"/>
+          <a:chOff x="0" y="0"/>
+          <a:chExt cx="0" cy="0"/>
+        </a:xfrm>
+      </p:grpSpPr>
+      <p:sp>
+        <p:nvSpPr>
+          <p:cNvPr id="2" name="Espace réservé de l'image des diapositives 1"/>
+          <p:cNvSpPr>
+            <a:spLocks noGrp="1" noRot="1" noChangeAspect="1"/>
+          </p:cNvSpPr>
+          <p:nvPr>
+            <p:ph type="sldImg"/>
+          </p:nvPr>
+        </p:nvSpPr>
+        <p:spPr/>
+      </p:sp>
+      <p:sp>
+        <p:nvSpPr>
+          <p:cNvPr id="3" name="Espace réservé des notes 2"/>
+          <p:cNvSpPr>
+            <a:spLocks noGrp="1"/>
+          </p:cNvSpPr>
+          <p:nvPr>
+            <p:ph type="body" idx="1"/>
+          </p:nvPr>
+        </p:nvSpPr>
+        <p:spPr/>
+        <p:txBody>
+          <a:bodyPr/>
+          <a:lstStyle/>
+          <a:p>
+            <a:pPr marL="0" marR="0" indent="0" algn="l" defTabSz="914400" rtl="0" eaLnBrk="1" fontAlgn="auto" latinLnBrk="0" hangingPunct="1">
+              <a:lnSpc>
+                <a:spcPct val="100000"/>
+              </a:lnSpc>
+              <a:spcBef>
+                <a:spcPts val="0"/>
+              </a:spcBef>
+              <a:spcAft>
+                <a:spcPts val="0"/>
+              </a:spcAft>
+              <a:buClrTx/>
+              <a:buSzTx/>
+              <a:buFontTx/>
+              <a:buNone/>
+              <a:tabLst/>
+              <a:defRPr/>
+            </a:pPr>
+            <a:r>
+              <a:rPr lang="fr-FR" sz="1200" dirty="0" smtClean="0"/>
+              <a:t>Avec le réchauffement climatique, la météo devient un outil indispensable pour prévenir les risques car si les experts ne sont pas tous en accord sur la multiplication des phénomènes climatiques tels que les tempêtes, ouragans, épisodes méditerranéens… Ils sont unanimes sur le fait que ceux-ci seront plus intenses à l’avenir.</a:t>
+            </a:r>
+          </a:p>
+          <a:p>
+            <a:pPr marL="0" marR="0" indent="0" algn="l" defTabSz="914400" rtl="0" eaLnBrk="1" fontAlgn="auto" latinLnBrk="0" hangingPunct="1">
+              <a:lnSpc>
+                <a:spcPct val="100000"/>
+              </a:lnSpc>
+              <a:spcBef>
+                <a:spcPts val="0"/>
+              </a:spcBef>
+              <a:spcAft>
+                <a:spcPts val="0"/>
+              </a:spcAft>
+              <a:buClrTx/>
+              <a:buSzTx/>
+              <a:buFontTx/>
+              <a:buNone/>
+              <a:tabLst/>
+              <a:defRPr/>
+            </a:pPr>
+            <a:r>
+              <a:rPr lang="fr-FR" sz="1200" dirty="0" smtClean="0"/>
+              <a:t>C’est pour cela que les stations météorologiques</a:t>
+            </a:r>
+            <a:r>
+              <a:rPr lang="fr-FR" sz="1200" baseline="0" dirty="0" smtClean="0"/>
+              <a:t> permettent de nous donner un aperçu sur les conditions météos dans le futur et de prévenir certaines catastrophes climatiques.</a:t>
+            </a:r>
+            <a:endParaRPr lang="fr-FR" sz="1200" dirty="0" smtClean="0"/>
+          </a:p>
+          <a:p>
+            <a:endParaRPr lang="fr-FR" dirty="0"/>
+          </a:p>
+        </p:txBody>
+      </p:sp>
+      <p:sp>
+        <p:nvSpPr>
+          <p:cNvPr id="4" name="Espace réservé du pied de page 3"/>
+          <p:cNvSpPr>
+            <a:spLocks noGrp="1"/>
+          </p:cNvSpPr>
+          <p:nvPr>
+            <p:ph type="ftr" sz="quarter" idx="10"/>
+          </p:nvPr>
+        </p:nvSpPr>
+        <p:spPr/>
+        <p:txBody>
+          <a:bodyPr/>
+          <a:lstStyle/>
+          <a:p>
+            <a:r>
+              <a:rPr lang="fr-FR" smtClean="0"/>
+              <a:t>IUT NICE CÔTE D'AZUR</a:t>
+            </a:r>
+            <a:endParaRPr lang="fr-FR"/>
+          </a:p>
+        </p:txBody>
+      </p:sp>
+    </p:spTree>
+    <p:extLst>
+      <p:ext uri="{BB962C8B-B14F-4D97-AF65-F5344CB8AC3E}">
+        <p14:creationId xmlns:p14="http://schemas.microsoft.com/office/powerpoint/2010/main" val="1361236493"/>
+      </p:ext>
+    </p:extLst>
+  </p:cSld>
+  <p:clrMapOvr>
+    <a:masterClrMapping/>
+  </p:clrMapOvr>
+</p:notes>
+</file>
+
+<file path=ppt/notesSlides/notesSlide4.xml><?xml version="1.0" encoding="utf-8"?>
+<p:notes xmlns:a="http://schemas.openxmlformats.org/drawingml/2006/main" xmlns:r="http://schemas.openxmlformats.org/officeDocument/2006/relationships" xmlns:p="http://schemas.openxmlformats.org/presentationml/2006/main">
+  <p:cSld>
+    <p:spTree>
+      <p:nvGrpSpPr>
+        <p:cNvPr id="1" name=""/>
+        <p:cNvGrpSpPr/>
+        <p:nvPr/>
+      </p:nvGrpSpPr>
+      <p:grpSpPr>
+        <a:xfrm>
+          <a:off x="0" y="0"/>
+          <a:ext cx="0" cy="0"/>
+          <a:chOff x="0" y="0"/>
+          <a:chExt cx="0" cy="0"/>
+        </a:xfrm>
+      </p:grpSpPr>
+      <p:sp>
+        <p:nvSpPr>
+          <p:cNvPr id="2" name="Espace réservé de l'image des diapositives 1"/>
+          <p:cNvSpPr>
+            <a:spLocks noGrp="1" noRot="1" noChangeAspect="1"/>
+          </p:cNvSpPr>
+          <p:nvPr>
+            <p:ph type="sldImg"/>
+          </p:nvPr>
+        </p:nvSpPr>
+        <p:spPr/>
+      </p:sp>
+      <p:sp>
+        <p:nvSpPr>
+          <p:cNvPr id="3" name="Espace réservé des notes 2"/>
+          <p:cNvSpPr>
+            <a:spLocks noGrp="1"/>
+          </p:cNvSpPr>
+          <p:nvPr>
+            <p:ph type="body" idx="1"/>
+          </p:nvPr>
+        </p:nvSpPr>
+        <p:spPr/>
+        <p:txBody>
+          <a:bodyPr/>
+          <a:lstStyle/>
+          <a:p>
+            <a:pPr>
+              <a:buFont typeface="Wingdings" panose="05000000000000000000" pitchFamily="2" charset="2"/>
+              <a:buChar char="v"/>
+            </a:pPr>
+            <a:r>
+              <a:rPr lang="fr-FR" dirty="0" smtClean="0"/>
+              <a:t>Une station météo mesure généralement les paramètres environnementaux suivants : la température de l’air, l’humidité relative, la pression atmosphérique, les cumuls des précipitations, l’intensité des précipitations, la vitesse et la direction du vent, les rayonnements solaires. Ces données sont très utiles, elles permettent de quantifier le cycle de l’eau, de prévoir le temps à l’avance, ou encore de prédire les différents dangers naturels qui pourraient survenir. Elles permettent surtout de faire des statistiques en calculant par exemple les températures moyennes sur un hiver et de les comparer par rapport aux “normales saisonnières”.</a:t>
+            </a:r>
+          </a:p>
+          <a:p>
+            <a:pPr>
+              <a:buFont typeface="Wingdings" panose="05000000000000000000" pitchFamily="2" charset="2"/>
+              <a:buChar char="v"/>
+            </a:pPr>
+            <a:r>
+              <a:rPr lang="fr-FR" sz="1200" kern="1200" dirty="0" smtClean="0">
+                <a:solidFill>
+                  <a:schemeClr val="tx1"/>
+                </a:solidFill>
+                <a:effectLst/>
+                <a:latin typeface="+mn-lt"/>
+                <a:ea typeface="+mn-ea"/>
+                <a:cs typeface="+mn-cs"/>
+              </a:rPr>
+              <a:t>La station météorologique devra également pouvoir être installée facilement par n’importe quel utilisateur et à n’importe quel endroit. De plus, la station devra fonctionner en toute autonomie : aucune intervention extérieure ne devra être effectuée.</a:t>
+            </a:r>
+            <a:endParaRPr lang="fr-FR" dirty="0" smtClean="0"/>
+          </a:p>
+          <a:p>
+            <a:pPr>
+              <a:buFont typeface="Wingdings" panose="05000000000000000000" pitchFamily="2" charset="2"/>
+              <a:buChar char="v"/>
+            </a:pPr>
+            <a:r>
+              <a:rPr lang="fr-FR" dirty="0" smtClean="0"/>
+              <a:t>Notre projet consistera à mettre en place une station météorologique qui collecte des données de capteurs, les stocke sur un serveur dans un Base de Données et les exploite pour faire des analyses et les affiche. Cet affichage peut se faire à distance via une appli mobile et/ou web.</a:t>
+            </a:r>
+          </a:p>
+          <a:p>
+            <a:endParaRPr lang="fr-FR" dirty="0"/>
+          </a:p>
+        </p:txBody>
+      </p:sp>
+      <p:sp>
+        <p:nvSpPr>
+          <p:cNvPr id="4" name="Espace réservé du pied de page 3"/>
+          <p:cNvSpPr>
+            <a:spLocks noGrp="1"/>
+          </p:cNvSpPr>
+          <p:nvPr>
+            <p:ph type="ftr" sz="quarter" idx="10"/>
+          </p:nvPr>
+        </p:nvSpPr>
+        <p:spPr/>
+        <p:txBody>
+          <a:bodyPr/>
+          <a:lstStyle/>
+          <a:p>
+            <a:r>
+              <a:rPr lang="fr-FR" smtClean="0"/>
+              <a:t>IUT NICE CÔTE D'AZUR</a:t>
+            </a:r>
+            <a:endParaRPr lang="fr-FR"/>
+          </a:p>
+        </p:txBody>
+      </p:sp>
+    </p:spTree>
+    <p:extLst>
+      <p:ext uri="{BB962C8B-B14F-4D97-AF65-F5344CB8AC3E}">
+        <p14:creationId xmlns:p14="http://schemas.microsoft.com/office/powerpoint/2010/main" val="2879672096"/>
+      </p:ext>
+    </p:extLst>
+  </p:cSld>
+  <p:clrMapOvr>
+    <a:masterClrMapping/>
+  </p:clrMapOvr>
+</p:notes>
+</file>
+
+<file path=ppt/notesSlides/notesSlide5.xml><?xml version="1.0" encoding="utf-8"?>
+<p:notes xmlns:a="http://schemas.openxmlformats.org/drawingml/2006/main" xmlns:r="http://schemas.openxmlformats.org/officeDocument/2006/relationships" xmlns:p="http://schemas.openxmlformats.org/presentationml/2006/main">
+  <p:cSld>
+    <p:spTree>
+      <p:nvGrpSpPr>
+        <p:cNvPr id="1" name=""/>
+        <p:cNvGrpSpPr/>
+        <p:nvPr/>
+      </p:nvGrpSpPr>
+      <p:grpSpPr>
+        <a:xfrm>
+          <a:off x="0" y="0"/>
+          <a:ext cx="0" cy="0"/>
+          <a:chOff x="0" y="0"/>
+          <a:chExt cx="0" cy="0"/>
+        </a:xfrm>
+      </p:grpSpPr>
+      <p:sp>
+        <p:nvSpPr>
+          <p:cNvPr id="2" name="Espace réservé de l'image des diapositives 1"/>
+          <p:cNvSpPr>
+            <a:spLocks noGrp="1" noRot="1" noChangeAspect="1"/>
+          </p:cNvSpPr>
+          <p:nvPr>
+            <p:ph type="sldImg"/>
+          </p:nvPr>
+        </p:nvSpPr>
+        <p:spPr/>
+      </p:sp>
+      <p:sp>
+        <p:nvSpPr>
+          <p:cNvPr id="3" name="Espace réservé des notes 2"/>
+          <p:cNvSpPr>
+            <a:spLocks noGrp="1"/>
+          </p:cNvSpPr>
+          <p:nvPr>
+            <p:ph type="body" idx="1"/>
+          </p:nvPr>
+        </p:nvSpPr>
+        <p:spPr/>
+        <p:txBody>
+          <a:bodyPr/>
+          <a:lstStyle/>
+          <a:p>
+            <a:r>
+              <a:rPr lang="fr-FR" dirty="0" smtClean="0"/>
+              <a:t>F1 : Le mat qui récolte</a:t>
+            </a:r>
+            <a:r>
+              <a:rPr lang="fr-FR" baseline="0" dirty="0" smtClean="0"/>
+              <a:t> les données de météo, il est </a:t>
+            </a:r>
+            <a:r>
+              <a:rPr lang="fr-FR" baseline="0" dirty="0" err="1" smtClean="0"/>
+              <a:t>consitué</a:t>
+            </a:r>
+            <a:r>
+              <a:rPr lang="fr-FR" baseline="0" dirty="0" smtClean="0"/>
+              <a:t> d’un capteur de vitesse de vent, un capteur d’orientation et d’un capteur de pluviométrie et il doit pouvoir communiquer directement avec la </a:t>
+            </a:r>
+            <a:r>
+              <a:rPr lang="fr-FR" baseline="0" dirty="0" err="1" smtClean="0"/>
+              <a:t>sparkfun</a:t>
+            </a:r>
+            <a:endParaRPr lang="fr-FR" baseline="0" dirty="0" smtClean="0"/>
+          </a:p>
+          <a:p>
+            <a:r>
+              <a:rPr lang="fr-FR" baseline="0" dirty="0" smtClean="0"/>
+              <a:t>F1 : la </a:t>
+            </a:r>
+            <a:r>
+              <a:rPr lang="fr-FR" baseline="0" dirty="0" err="1" smtClean="0"/>
+              <a:t>sparkfun</a:t>
+            </a:r>
+            <a:r>
+              <a:rPr lang="fr-FR" baseline="0" dirty="0" smtClean="0"/>
+              <a:t> est une carte électronique qui présente elle-même des capteurs de pression, de température et un capteur de luminosité.</a:t>
+            </a:r>
+          </a:p>
+          <a:p>
+            <a:r>
+              <a:rPr lang="fr-FR" baseline="0" dirty="0" smtClean="0"/>
+              <a:t>F2 : La carte </a:t>
+            </a:r>
+            <a:r>
+              <a:rPr lang="fr-FR" baseline="0" dirty="0" err="1" smtClean="0"/>
+              <a:t>LoRa</a:t>
+            </a:r>
+            <a:r>
+              <a:rPr lang="fr-FR" baseline="0" dirty="0" smtClean="0"/>
+              <a:t> </a:t>
+            </a:r>
+            <a:r>
+              <a:rPr lang="fr-FR" baseline="0" dirty="0" err="1" smtClean="0"/>
+              <a:t>sender</a:t>
+            </a:r>
+            <a:r>
+              <a:rPr lang="fr-FR" baseline="0" dirty="0" smtClean="0"/>
+              <a:t> est une carte contenant un module </a:t>
+            </a:r>
+            <a:r>
+              <a:rPr lang="fr-FR" baseline="0" dirty="0" err="1" smtClean="0"/>
+              <a:t>LoRa</a:t>
+            </a:r>
+            <a:r>
+              <a:rPr lang="fr-FR" baseline="0" dirty="0" smtClean="0"/>
+              <a:t> et permet d’envoyer les données de la </a:t>
+            </a:r>
+            <a:r>
+              <a:rPr lang="fr-FR" baseline="0" dirty="0" err="1" smtClean="0"/>
+              <a:t>sparkfun</a:t>
+            </a:r>
+            <a:r>
+              <a:rPr lang="fr-FR" baseline="0" dirty="0" smtClean="0"/>
+              <a:t> à une autre carte </a:t>
+            </a:r>
+            <a:r>
+              <a:rPr lang="fr-FR" baseline="0" dirty="0" err="1" smtClean="0"/>
+              <a:t>LoRa</a:t>
+            </a:r>
+            <a:r>
+              <a:rPr lang="fr-FR" baseline="0" dirty="0" smtClean="0"/>
+              <a:t> </a:t>
+            </a:r>
+            <a:r>
+              <a:rPr lang="fr-FR" baseline="0" dirty="0" err="1" smtClean="0"/>
+              <a:t>receiver</a:t>
+            </a:r>
+            <a:r>
+              <a:rPr lang="fr-FR" baseline="0" dirty="0" smtClean="0"/>
+              <a:t> qui va réceptionner les données.</a:t>
+            </a:r>
+          </a:p>
+          <a:p>
+            <a:r>
+              <a:rPr lang="fr-FR" dirty="0" smtClean="0"/>
+              <a:t>F3: La communication</a:t>
+            </a:r>
+            <a:r>
+              <a:rPr lang="fr-FR" baseline="0" dirty="0" smtClean="0"/>
+              <a:t> ente la carte </a:t>
+            </a:r>
+            <a:r>
+              <a:rPr lang="fr-FR" baseline="0" dirty="0" err="1" smtClean="0"/>
+              <a:t>LoRa</a:t>
+            </a:r>
+            <a:r>
+              <a:rPr lang="fr-FR" baseline="0" dirty="0" smtClean="0"/>
+              <a:t> </a:t>
+            </a:r>
+            <a:r>
+              <a:rPr lang="fr-FR" baseline="0" dirty="0" err="1" smtClean="0"/>
+              <a:t>receiver</a:t>
+            </a:r>
+            <a:r>
+              <a:rPr lang="fr-FR" baseline="0" dirty="0" smtClean="0"/>
+              <a:t> et la </a:t>
+            </a:r>
+            <a:r>
+              <a:rPr lang="fr-FR" baseline="0" dirty="0" err="1" smtClean="0"/>
+              <a:t>raspberry</a:t>
+            </a:r>
+            <a:r>
+              <a:rPr lang="fr-FR" baseline="0" dirty="0" smtClean="0"/>
+              <a:t> se fait en </a:t>
+            </a:r>
+            <a:r>
+              <a:rPr lang="fr-FR" baseline="0" dirty="0" err="1" smtClean="0"/>
+              <a:t>bluetooth</a:t>
+            </a:r>
+            <a:r>
+              <a:rPr lang="fr-FR" baseline="0" dirty="0" smtClean="0"/>
+              <a:t> ou en communication filaire via un port série, ceci est libre du choix, les données réceptionnées par la carte </a:t>
+            </a:r>
+            <a:r>
+              <a:rPr lang="fr-FR" baseline="0" dirty="0" err="1" smtClean="0"/>
+              <a:t>LoRa</a:t>
+            </a:r>
+            <a:r>
+              <a:rPr lang="fr-FR" baseline="0" dirty="0" smtClean="0"/>
+              <a:t> </a:t>
+            </a:r>
+            <a:r>
+              <a:rPr lang="fr-FR" baseline="0" dirty="0" err="1" smtClean="0"/>
+              <a:t>receiver</a:t>
+            </a:r>
+            <a:r>
+              <a:rPr lang="fr-FR" baseline="0" dirty="0" smtClean="0"/>
+              <a:t> sont eux aussi envoyés au </a:t>
+            </a:r>
+            <a:r>
+              <a:rPr lang="fr-FR" baseline="0" dirty="0" err="1" smtClean="0"/>
+              <a:t>raspberry</a:t>
+            </a:r>
+            <a:r>
+              <a:rPr lang="fr-FR" baseline="0" dirty="0" smtClean="0"/>
+              <a:t> afin d’y être exploité et stocker dans la base de données présente dans la </a:t>
+            </a:r>
+            <a:r>
+              <a:rPr lang="fr-FR" baseline="0" dirty="0" err="1" smtClean="0"/>
+              <a:t>raspberry</a:t>
+            </a:r>
+            <a:r>
+              <a:rPr lang="fr-FR" baseline="0" dirty="0" smtClean="0"/>
+              <a:t>.</a:t>
+            </a:r>
+          </a:p>
+          <a:p>
+            <a:r>
+              <a:rPr lang="fr-FR" baseline="0" dirty="0" smtClean="0"/>
+              <a:t>F4….. : La </a:t>
+            </a:r>
+            <a:r>
+              <a:rPr lang="fr-FR" baseline="0" dirty="0" err="1" smtClean="0"/>
+              <a:t>raspberry</a:t>
+            </a:r>
+            <a:r>
+              <a:rPr lang="fr-FR" baseline="0" dirty="0" smtClean="0"/>
+              <a:t> contient à elle seule toute l’architecture de notre projet, elle dispose d’un serveur web et d’une base de données installés en local, le module de la caméra de la </a:t>
+            </a:r>
+            <a:r>
+              <a:rPr lang="fr-FR" baseline="0" dirty="0" err="1" smtClean="0"/>
+              <a:t>raspberry</a:t>
+            </a:r>
+            <a:r>
+              <a:rPr lang="fr-FR" baseline="0" dirty="0" smtClean="0"/>
+              <a:t> nous permet d’avoir également une image en direct de la station météo.</a:t>
+            </a:r>
+            <a:endParaRPr lang="fr-FR" dirty="0"/>
+          </a:p>
+        </p:txBody>
+      </p:sp>
+      <p:sp>
+        <p:nvSpPr>
+          <p:cNvPr id="4" name="Espace réservé du pied de page 3"/>
+          <p:cNvSpPr>
+            <a:spLocks noGrp="1"/>
+          </p:cNvSpPr>
+          <p:nvPr>
+            <p:ph type="ftr" sz="quarter" idx="10"/>
+          </p:nvPr>
+        </p:nvSpPr>
+        <p:spPr/>
+        <p:txBody>
+          <a:bodyPr/>
+          <a:lstStyle/>
+          <a:p>
+            <a:r>
+              <a:rPr lang="fr-FR" smtClean="0"/>
+              <a:t>IUT NICE CÔTE D'AZUR</a:t>
+            </a:r>
+            <a:endParaRPr lang="fr-FR"/>
+          </a:p>
+        </p:txBody>
+      </p:sp>
+    </p:spTree>
+    <p:extLst>
+      <p:ext uri="{BB962C8B-B14F-4D97-AF65-F5344CB8AC3E}">
+        <p14:creationId xmlns:p14="http://schemas.microsoft.com/office/powerpoint/2010/main" val="3781588657"/>
+      </p:ext>
+    </p:extLst>
+  </p:cSld>
+  <p:clrMapOvr>
+    <a:masterClrMapping/>
+  </p:clrMapOvr>
+</p:notes>
 </file>
 
 <file path=ppt/slideLayouts/slideLayout1.xml><?xml version="1.0" encoding="utf-8"?>
@@ -8314,7 +9060,7 @@
           <a:p>
             <a:fld id="{77893494-8D5C-422B-A402-B2DDA3F12068}" type="datetime1">
               <a:rPr lang="en-US" smtClean="0"/>
-              <a:t>5/9/2020</a:t>
+              <a:t>5/11/2020</a:t>
             </a:fld>
             <a:endParaRPr lang="en-US" dirty="0"/>
           </a:p>
@@ -8561,7 +9307,7 @@
           <a:p>
             <a:fld id="{C060905D-4EBA-42EA-8363-D0BEC806819B}" type="datetime1">
               <a:rPr lang="en-US" smtClean="0"/>
-              <a:t>5/9/2020</a:t>
+              <a:t>5/11/2020</a:t>
             </a:fld>
             <a:endParaRPr lang="en-US" dirty="0"/>
           </a:p>
@@ -8871,7 +9617,7 @@
           <a:p>
             <a:fld id="{3CE865B9-0F48-4EDC-817C-B4867A882112}" type="datetime1">
               <a:rPr lang="en-US" smtClean="0"/>
-              <a:t>5/9/2020</a:t>
+              <a:t>5/11/2020</a:t>
             </a:fld>
             <a:endParaRPr lang="en-US" dirty="0"/>
           </a:p>
@@ -9194,7 +9940,7 @@
           <a:p>
             <a:fld id="{8B9BB07E-D93D-4BB8-96C4-9746FDA88CF2}" type="datetime1">
               <a:rPr lang="en-US" smtClean="0"/>
-              <a:t>5/9/2020</a:t>
+              <a:t>5/11/2020</a:t>
             </a:fld>
             <a:endParaRPr lang="en-US" dirty="0"/>
           </a:p>
@@ -9504,7 +10250,7 @@
           <a:p>
             <a:fld id="{813FBE50-270B-46CA-90D6-D00F9C02A801}" type="datetime1">
               <a:rPr lang="en-US" smtClean="0"/>
-              <a:t>5/9/2020</a:t>
+              <a:t>5/11/2020</a:t>
             </a:fld>
             <a:endParaRPr lang="en-US" dirty="0"/>
           </a:p>
@@ -9887,7 +10633,7 @@
           <a:p>
             <a:fld id="{37CD6AA1-142B-476D-BCB3-74389D018ED4}" type="datetime1">
               <a:rPr lang="en-US" smtClean="0"/>
-              <a:t>5/9/2020</a:t>
+              <a:t>5/11/2020</a:t>
             </a:fld>
             <a:endParaRPr lang="en-US" dirty="0"/>
           </a:p>
@@ -10053,7 +10799,7 @@
           <a:p>
             <a:fld id="{45E8998B-AB6F-4A1B-BD8F-AF3245AF5815}" type="datetime1">
               <a:rPr lang="en-US" smtClean="0"/>
-              <a:t>5/9/2020</a:t>
+              <a:t>5/11/2020</a:t>
             </a:fld>
             <a:endParaRPr lang="en-US" dirty="0"/>
           </a:p>
@@ -10228,7 +10974,7 @@
           <a:p>
             <a:fld id="{914CA338-C8A9-41BD-B8C7-F514CE82935C}" type="datetime1">
               <a:rPr lang="en-US" smtClean="0"/>
-              <a:t>5/9/2020</a:t>
+              <a:t>5/11/2020</a:t>
             </a:fld>
             <a:endParaRPr lang="en-US" dirty="0"/>
           </a:p>
@@ -10394,7 +11140,7 @@
           <a:p>
             <a:fld id="{A97E2DB2-0A6C-4006-B282-F2C5721B1EE7}" type="datetime1">
               <a:rPr lang="en-US" smtClean="0"/>
-              <a:t>5/9/2020</a:t>
+              <a:t>5/11/2020</a:t>
             </a:fld>
             <a:endParaRPr lang="en-US" dirty="0"/>
           </a:p>
@@ -10636,7 +11382,7 @@
           <a:p>
             <a:fld id="{FE27126A-CD8D-4B75-9DE8-3EEC81EF3F6C}" type="datetime1">
               <a:rPr lang="en-US" smtClean="0"/>
-              <a:t>5/9/2020</a:t>
+              <a:t>5/11/2020</a:t>
             </a:fld>
             <a:endParaRPr lang="en-US" dirty="0"/>
           </a:p>
@@ -10864,7 +11610,7 @@
           <a:p>
             <a:fld id="{4D0B6594-2F09-443C-9342-4DFD9784F2AE}" type="datetime1">
               <a:rPr lang="en-US" smtClean="0"/>
-              <a:t>5/9/2020</a:t>
+              <a:t>5/11/2020</a:t>
             </a:fld>
             <a:endParaRPr lang="en-US" dirty="0"/>
           </a:p>
@@ -11233,7 +11979,7 @@
           <a:p>
             <a:fld id="{56208353-884C-4B1C-BD48-9292EB1511A4}" type="datetime1">
               <a:rPr lang="en-US" smtClean="0"/>
-              <a:t>5/9/2020</a:t>
+              <a:t>5/11/2020</a:t>
             </a:fld>
             <a:endParaRPr lang="en-US" dirty="0"/>
           </a:p>
@@ -11352,7 +12098,7 @@
           <a:p>
             <a:fld id="{89980B8A-0A75-4A4B-909C-97EE3D82FE92}" type="datetime1">
               <a:rPr lang="en-US" smtClean="0"/>
-              <a:t>5/9/2020</a:t>
+              <a:t>5/11/2020</a:t>
             </a:fld>
             <a:endParaRPr lang="en-US" dirty="0"/>
           </a:p>
@@ -11443,7 +12189,7 @@
           <a:p>
             <a:fld id="{0AB411B8-F7D1-4905-B72B-EAB2BE98B004}" type="datetime1">
               <a:rPr lang="en-US" smtClean="0"/>
-              <a:t>5/9/2020</a:t>
+              <a:t>5/11/2020</a:t>
             </a:fld>
             <a:endParaRPr lang="en-US" dirty="0"/>
           </a:p>
@@ -11694,7 +12440,7 @@
           <a:p>
             <a:fld id="{555B650D-F130-4FF9-B943-CAEEBDA9035B}" type="datetime1">
               <a:rPr lang="en-US" smtClean="0"/>
-              <a:t>5/9/2020</a:t>
+              <a:t>5/11/2020</a:t>
             </a:fld>
             <a:endParaRPr lang="en-US" dirty="0"/>
           </a:p>
@@ -11952,7 +12698,7 @@
           <a:p>
             <a:fld id="{9CCDF42D-22BB-459D-B912-0F9F97472611}" type="datetime1">
               <a:rPr lang="en-US" smtClean="0"/>
-              <a:t>5/9/2020</a:t>
+              <a:t>5/11/2020</a:t>
             </a:fld>
             <a:endParaRPr lang="en-US" dirty="0"/>
           </a:p>
@@ -12693,7 +13439,7 @@
           <a:p>
             <a:fld id="{E025E167-C1C0-4404-B572-ED367CB6C0EB}" type="datetime1">
               <a:rPr lang="en-US" smtClean="0"/>
-              <a:t>5/9/2020</a:t>
+              <a:t>5/11/2020</a:t>
             </a:fld>
             <a:endParaRPr lang="en-US" dirty="0"/>
           </a:p>
@@ -13324,7 +14070,7 @@
                 <a16:creationId xmlns:a16="http://schemas.microsoft.com/office/drawing/2014/main" id="{ADC5C86B-28CE-4597-97B7-4C09E20141C3}"/>
               </a:ext>
               <a:ext uri="{C183D7F6-B498-43B3-948B-1728B52AA6E4}">
-                <adec:decorative xmlns:adec="http://schemas.microsoft.com/office/drawing/2017/decorative" xmlns="" val="1"/>
+                <adec:decorative xmlns="" xmlns:adec="http://schemas.microsoft.com/office/drawing/2017/decorative" val="1"/>
               </a:ext>
             </a:extLst>
           </p:cNvPr>
@@ -13389,7 +14135,7 @@
           <p:nvPr/>
         </p:nvPicPr>
         <p:blipFill>
-          <a:blip r:embed="rId2">
+          <a:blip r:embed="rId3">
             <a:extLst>
               <a:ext uri="{28A0092B-C50C-407E-A947-70E740481C1C}">
                 <a14:useLocalDpi xmlns:a14="http://schemas.microsoft.com/office/drawing/2010/main" val="0"/>
@@ -13477,6 +14223,13 @@
       </p:transition>
     </mc:Fallback>
   </mc:AlternateContent>
+  <p:timing>
+    <p:tnLst>
+      <p:par>
+        <p:cTn id="1" dur="indefinite" restart="never" nodeType="tmRoot"/>
+      </p:par>
+    </p:tnLst>
+  </p:timing>
 </p:sld>
 </file>
 
@@ -13633,13 +14386,13 @@
             <p:ph idx="1"/>
             <p:extLst>
               <p:ext uri="{D42A27DB-BD31-4B8C-83A1-F6EECF244321}">
-                <p14:modId xmlns:p14="http://schemas.microsoft.com/office/powerpoint/2010/main" val="1649802489"/>
+                <p14:modId xmlns:p14="http://schemas.microsoft.com/office/powerpoint/2010/main" val="3556426045"/>
               </p:ext>
             </p:extLst>
           </p:nvPr>
         </p:nvGraphicFramePr>
         <p:xfrm>
-          <a:off x="1271538" y="1805653"/>
+          <a:off x="1095692" y="1631631"/>
           <a:ext cx="8839871" cy="4708501"/>
         </p:xfrm>
         <a:graphic>
@@ -14321,6 +15074,13 @@
       </p:transition>
     </mc:Fallback>
   </mc:AlternateContent>
+  <p:timing>
+    <p:tnLst>
+      <p:par>
+        <p:cTn id="1" dur="indefinite" restart="never" nodeType="tmRoot"/>
+      </p:par>
+    </p:tnLst>
+  </p:timing>
 </p:sld>
 </file>
 
@@ -14494,6 +15254,13 @@
       </p:transition>
     </mc:Fallback>
   </mc:AlternateContent>
+  <p:timing>
+    <p:tnLst>
+      <p:par>
+        <p:cTn id="1" dur="indefinite" restart="never" nodeType="tmRoot"/>
+      </p:par>
+    </p:tnLst>
+  </p:timing>
 </p:sld>
 </file>
 
@@ -14647,6 +15414,13 @@
       </p:transition>
     </mc:Fallback>
   </mc:AlternateContent>
+  <p:timing>
+    <p:tnLst>
+      <p:par>
+        <p:cTn id="1" dur="indefinite" restart="never" nodeType="tmRoot"/>
+      </p:par>
+    </p:tnLst>
+  </p:timing>
 </p:sld>
 </file>
 
@@ -14940,10 +15714,183 @@
       </p:transition>
     </mc:Fallback>
   </mc:AlternateContent>
+  <p:timing>
+    <p:tnLst>
+      <p:par>
+        <p:cTn id="1" dur="indefinite" restart="never" nodeType="tmRoot"/>
+      </p:par>
+    </p:tnLst>
+  </p:timing>
 </p:sld>
 </file>
 
 <file path=ppt/slides/slide14.xml><?xml version="1.0" encoding="utf-8"?>
+<p:sld xmlns:a="http://schemas.openxmlformats.org/drawingml/2006/main" xmlns:r="http://schemas.openxmlformats.org/officeDocument/2006/relationships" xmlns:p="http://schemas.openxmlformats.org/presentationml/2006/main">
+  <p:cSld>
+    <p:spTree>
+      <p:nvGrpSpPr>
+        <p:cNvPr id="1" name=""/>
+        <p:cNvGrpSpPr/>
+        <p:nvPr/>
+      </p:nvGrpSpPr>
+      <p:grpSpPr>
+        <a:xfrm>
+          <a:off x="0" y="0"/>
+          <a:ext cx="0" cy="0"/>
+          <a:chOff x="0" y="0"/>
+          <a:chExt cx="0" cy="0"/>
+        </a:xfrm>
+      </p:grpSpPr>
+      <p:pic>
+        <p:nvPicPr>
+          <p:cNvPr id="7" name="Image 6"/>
+          <p:cNvPicPr>
+            <a:picLocks noChangeAspect="1"/>
+          </p:cNvPicPr>
+          <p:nvPr/>
+        </p:nvPicPr>
+        <p:blipFill>
+          <a:blip r:embed="rId2">
+            <a:extLst>
+              <a:ext uri="{28A0092B-C50C-407E-A947-70E740481C1C}">
+                <a14:useLocalDpi xmlns:a14="http://schemas.microsoft.com/office/drawing/2010/main" val="0"/>
+              </a:ext>
+            </a:extLst>
+          </a:blip>
+          <a:stretch>
+            <a:fillRect/>
+          </a:stretch>
+        </p:blipFill>
+        <p:spPr>
+          <a:xfrm>
+            <a:off x="4264270" y="1878623"/>
+            <a:ext cx="4876800" cy="4876800"/>
+          </a:xfrm>
+          <a:prstGeom prst="rect">
+            <a:avLst/>
+          </a:prstGeom>
+        </p:spPr>
+      </p:pic>
+      <p:sp>
+        <p:nvSpPr>
+          <p:cNvPr id="2" name="Titre 1">
+            <a:extLst>
+              <a:ext uri="{FF2B5EF4-FFF2-40B4-BE49-F238E27FC236}">
+                <a16:creationId xmlns:a16="http://schemas.microsoft.com/office/drawing/2014/main" id="{A0223965-B777-4667-A39F-8C9384F79E5C}"/>
+              </a:ext>
+            </a:extLst>
+          </p:cNvPr>
+          <p:cNvSpPr>
+            <a:spLocks noGrp="1"/>
+          </p:cNvSpPr>
+          <p:nvPr>
+            <p:ph type="title"/>
+          </p:nvPr>
+        </p:nvSpPr>
+        <p:spPr>
+          <a:xfrm>
+            <a:off x="397558" y="738554"/>
+            <a:ext cx="4984587" cy="970452"/>
+          </a:xfrm>
+        </p:spPr>
+        <p:txBody>
+          <a:bodyPr vert="horz" lIns="91440" tIns="45720" rIns="91440" bIns="45720" rtlCol="0" anchor="b">
+            <a:normAutofit/>
+          </a:bodyPr>
+          <a:lstStyle/>
+          <a:p>
+            <a:pPr algn="r"/>
+            <a:r>
+              <a:rPr lang="en-US" sz="4800" dirty="0" smtClean="0"/>
+              <a:t>DÉMONSTRATION</a:t>
+            </a:r>
+            <a:endParaRPr lang="en-US" sz="4800" dirty="0"/>
+          </a:p>
+        </p:txBody>
+      </p:sp>
+      <p:sp>
+        <p:nvSpPr>
+          <p:cNvPr id="4" name="Espace réservé du pied de page 3">
+            <a:extLst>
+              <a:ext uri="{FF2B5EF4-FFF2-40B4-BE49-F238E27FC236}">
+                <a16:creationId xmlns:a16="http://schemas.microsoft.com/office/drawing/2014/main" id="{EFA0CD69-FFF7-4F7A-99D1-36A4332E27F2}"/>
+              </a:ext>
+            </a:extLst>
+          </p:cNvPr>
+          <p:cNvSpPr>
+            <a:spLocks noGrp="1"/>
+          </p:cNvSpPr>
+          <p:nvPr>
+            <p:ph type="ftr" sz="quarter" idx="11"/>
+          </p:nvPr>
+        </p:nvSpPr>
+        <p:spPr>
+          <a:xfrm>
+            <a:off x="677335" y="6041362"/>
+            <a:ext cx="3993887" cy="365125"/>
+          </a:xfrm>
+        </p:spPr>
+        <p:txBody>
+          <a:bodyPr vert="horz" lIns="91440" tIns="45720" rIns="91440" bIns="45720" rtlCol="0" anchor="ctr">
+            <a:normAutofit/>
+          </a:bodyPr>
+          <a:lstStyle/>
+          <a:p>
+            <a:pPr>
+              <a:spcAft>
+                <a:spcPts val="600"/>
+              </a:spcAft>
+            </a:pPr>
+            <a:r>
+              <a:rPr lang="en-US" kern="1200">
+                <a:solidFill>
+                  <a:schemeClr val="tx1">
+                    <a:lumMod val="50000"/>
+                    <a:lumOff val="50000"/>
+                  </a:schemeClr>
+                </a:solidFill>
+                <a:latin typeface="+mn-lt"/>
+                <a:ea typeface="+mn-ea"/>
+                <a:cs typeface="+mn-cs"/>
+              </a:rPr>
+              <a:t>14</a:t>
+            </a:r>
+          </a:p>
+        </p:txBody>
+      </p:sp>
+    </p:spTree>
+    <p:extLst>
+      <p:ext uri="{BB962C8B-B14F-4D97-AF65-F5344CB8AC3E}">
+        <p14:creationId xmlns:p14="http://schemas.microsoft.com/office/powerpoint/2010/main" val="1458259609"/>
+      </p:ext>
+    </p:extLst>
+  </p:cSld>
+  <p:clrMapOvr>
+    <a:masterClrMapping/>
+  </p:clrMapOvr>
+  <mc:AlternateContent xmlns:mc="http://schemas.openxmlformats.org/markup-compatibility/2006" xmlns:p14="http://schemas.microsoft.com/office/powerpoint/2010/main">
+    <mc:Choice Requires="p14">
+      <p:transition spd="slow" p14:dur="1600">
+        <p:blinds dir="vert"/>
+      </p:transition>
+    </mc:Choice>
+    <mc:Fallback xmlns="">
+      <p:transition spd="slow">
+        <p:blinds dir="vert"/>
+      </p:transition>
+    </mc:Fallback>
+  </mc:AlternateContent>
+  <p:timing>
+    <p:tnLst>
+      <p:par>
+        <p:cTn id="1" dur="indefinite" restart="never" nodeType="tmRoot"/>
+      </p:par>
+    </p:tnLst>
+  </p:timing>
+</p:sld>
+</file>
+
+<file path=ppt/slides/slide15.xml><?xml version="1.0" encoding="utf-8"?>
 <p:sld xmlns:a="http://schemas.openxmlformats.org/drawingml/2006/main" xmlns:r="http://schemas.openxmlformats.org/officeDocument/2006/relationships" xmlns:p="http://schemas.openxmlformats.org/presentationml/2006/main">
   <p:cSld>
     <p:bg>
@@ -14976,7 +15923,7 @@
                 <a16:creationId xmlns:a16="http://schemas.microsoft.com/office/drawing/2014/main" id="{9AE27B9D-0F04-458B-A718-F84902C79F7C}"/>
               </a:ext>
               <a:ext uri="{C183D7F6-B498-43B3-948B-1728B52AA6E4}">
-                <adec:decorative xmlns:adec="http://schemas.microsoft.com/office/drawing/2017/decorative" xmlns="" val="1"/>
+                <adec:decorative xmlns="" xmlns:adec="http://schemas.microsoft.com/office/drawing/2017/decorative" val="1"/>
               </a:ext>
             </a:extLst>
           </p:cNvPr>
@@ -15007,7 +15954,7 @@
                   <a16:creationId xmlns:a16="http://schemas.microsoft.com/office/drawing/2014/main" id="{47AB6435-428E-44C8-A107-8435183F6553}"/>
                 </a:ext>
                 <a:ext uri="{C183D7F6-B498-43B3-948B-1728B52AA6E4}">
-                  <adec:decorative xmlns:adec="http://schemas.microsoft.com/office/drawing/2017/decorative" xmlns="" val="1"/>
+                  <adec:decorative xmlns="" xmlns:adec="http://schemas.microsoft.com/office/drawing/2017/decorative" val="1"/>
                 </a:ext>
               </a:extLst>
             </p:cNvPr>
@@ -15059,7 +16006,7 @@
                   <a16:creationId xmlns:a16="http://schemas.microsoft.com/office/drawing/2014/main" id="{3659658D-9AE1-44D3-B002-2BA204AB9021}"/>
                 </a:ext>
                 <a:ext uri="{C183D7F6-B498-43B3-948B-1728B52AA6E4}">
-                  <adec:decorative xmlns:adec="http://schemas.microsoft.com/office/drawing/2017/decorative" xmlns="" val="1"/>
+                  <adec:decorative xmlns="" xmlns:adec="http://schemas.microsoft.com/office/drawing/2017/decorative" val="1"/>
                 </a:ext>
               </a:extLst>
             </p:cNvPr>
@@ -15111,7 +16058,7 @@
                   <a16:creationId xmlns:a16="http://schemas.microsoft.com/office/drawing/2014/main" id="{2083C874-CFCD-47ED-9F98-DDB125C9C065}"/>
                 </a:ext>
                 <a:ext uri="{C183D7F6-B498-43B3-948B-1728B52AA6E4}">
-                  <adec:decorative xmlns:adec="http://schemas.microsoft.com/office/drawing/2017/decorative" xmlns="" val="1"/>
+                  <adec:decorative xmlns="" xmlns:adec="http://schemas.microsoft.com/office/drawing/2017/decorative" val="1"/>
                 </a:ext>
               </a:extLst>
             </p:cNvPr>
@@ -15189,7 +16136,7 @@
                   <a16:creationId xmlns:a16="http://schemas.microsoft.com/office/drawing/2014/main" id="{605E9946-A240-42E3-B6CD-E6691BF46748}"/>
                 </a:ext>
                 <a:ext uri="{C183D7F6-B498-43B3-948B-1728B52AA6E4}">
-                  <adec:decorative xmlns:adec="http://schemas.microsoft.com/office/drawing/2017/decorative" xmlns="" val="1"/>
+                  <adec:decorative xmlns="" xmlns:adec="http://schemas.microsoft.com/office/drawing/2017/decorative" val="1"/>
                 </a:ext>
               </a:extLst>
             </p:cNvPr>
@@ -15267,7 +16214,7 @@
                   <a16:creationId xmlns:a16="http://schemas.microsoft.com/office/drawing/2014/main" id="{315B1B45-25C3-4C58-8EB8-41BCFA02A639}"/>
                 </a:ext>
                 <a:ext uri="{C183D7F6-B498-43B3-948B-1728B52AA6E4}">
-                  <adec:decorative xmlns:adec="http://schemas.microsoft.com/office/drawing/2017/decorative" xmlns="" val="1"/>
+                  <adec:decorative xmlns="" xmlns:adec="http://schemas.microsoft.com/office/drawing/2017/decorative" val="1"/>
                 </a:ext>
               </a:extLst>
             </p:cNvPr>
@@ -15323,7 +16270,7 @@
                   <a16:creationId xmlns:a16="http://schemas.microsoft.com/office/drawing/2014/main" id="{87983A9A-7A69-406F-AFEA-AD2AE87E1FA6}"/>
                 </a:ext>
                 <a:ext uri="{C183D7F6-B498-43B3-948B-1728B52AA6E4}">
-                  <adec:decorative xmlns:adec="http://schemas.microsoft.com/office/drawing/2017/decorative" xmlns="" val="1"/>
+                  <adec:decorative xmlns="" xmlns:adec="http://schemas.microsoft.com/office/drawing/2017/decorative" val="1"/>
                 </a:ext>
               </a:extLst>
             </p:cNvPr>
@@ -15402,7 +16349,7 @@
                   <a16:creationId xmlns:a16="http://schemas.microsoft.com/office/drawing/2014/main" id="{FFCBC4EF-C03E-4EED-9E9A-3097DECC005C}"/>
                 </a:ext>
                 <a:ext uri="{C183D7F6-B498-43B3-948B-1728B52AA6E4}">
-                  <adec:decorative xmlns:adec="http://schemas.microsoft.com/office/drawing/2017/decorative" xmlns="" val="1"/>
+                  <adec:decorative xmlns="" xmlns:adec="http://schemas.microsoft.com/office/drawing/2017/decorative" val="1"/>
                 </a:ext>
               </a:extLst>
             </p:cNvPr>
@@ -15481,7 +16428,7 @@
                   <a16:creationId xmlns:a16="http://schemas.microsoft.com/office/drawing/2014/main" id="{F56545EE-F94F-4B4C-AA43-9D67456645F1}"/>
                 </a:ext>
                 <a:ext uri="{C183D7F6-B498-43B3-948B-1728B52AA6E4}">
-                  <adec:decorative xmlns:adec="http://schemas.microsoft.com/office/drawing/2017/decorative" xmlns="" val="1"/>
+                  <adec:decorative xmlns="" xmlns:adec="http://schemas.microsoft.com/office/drawing/2017/decorative" val="1"/>
                 </a:ext>
               </a:extLst>
             </p:cNvPr>
@@ -15560,7 +16507,7 @@
                   <a16:creationId xmlns:a16="http://schemas.microsoft.com/office/drawing/2014/main" id="{2FE2A6B2-D45B-484C-BAFD-3F4508266425}"/>
                 </a:ext>
                 <a:ext uri="{C183D7F6-B498-43B3-948B-1728B52AA6E4}">
-                  <adec:decorative xmlns:adec="http://schemas.microsoft.com/office/drawing/2017/decorative" xmlns="" val="1"/>
+                  <adec:decorative xmlns="" xmlns:adec="http://schemas.microsoft.com/office/drawing/2017/decorative" val="1"/>
                 </a:ext>
               </a:extLst>
             </p:cNvPr>
@@ -15617,7 +16564,7 @@
                   <a16:creationId xmlns:a16="http://schemas.microsoft.com/office/drawing/2014/main" id="{EC2132BF-207E-4FB2-B0FE-E6FD0A1D1882}"/>
                 </a:ext>
                 <a:ext uri="{C183D7F6-B498-43B3-948B-1728B52AA6E4}">
-                  <adec:decorative xmlns:adec="http://schemas.microsoft.com/office/drawing/2017/decorative" xmlns="" val="1"/>
+                  <adec:decorative xmlns="" xmlns:adec="http://schemas.microsoft.com/office/drawing/2017/decorative" val="1"/>
                 </a:ext>
               </a:extLst>
             </p:cNvPr>
@@ -15866,7 +16813,7 @@
                 <a16:creationId xmlns:a16="http://schemas.microsoft.com/office/drawing/2014/main" id="{A57C1A16-B8AB-4D99-A195-A38F556A6486}"/>
               </a:ext>
               <a:ext uri="{C183D7F6-B498-43B3-948B-1728B52AA6E4}">
-                <adec:decorative xmlns:adec="http://schemas.microsoft.com/office/drawing/2017/decorative" xmlns="" val="1"/>
+                <adec:decorative xmlns="" xmlns:adec="http://schemas.microsoft.com/office/drawing/2017/decorative" val="1"/>
               </a:ext>
             </a:extLst>
           </p:cNvPr>
@@ -15920,7 +16867,7 @@
                 <a16:creationId xmlns:a16="http://schemas.microsoft.com/office/drawing/2014/main" id="{F8A9B20B-D1DD-4573-B5EC-558029519236}"/>
               </a:ext>
               <a:ext uri="{C183D7F6-B498-43B3-948B-1728B52AA6E4}">
-                <adec:decorative xmlns:adec="http://schemas.microsoft.com/office/drawing/2017/decorative" xmlns="" val="1"/>
+                <adec:decorative xmlns="" xmlns:adec="http://schemas.microsoft.com/office/drawing/2017/decorative" val="1"/>
               </a:ext>
             </a:extLst>
           </p:cNvPr>
@@ -15974,7 +16921,7 @@
                 <a16:creationId xmlns:a16="http://schemas.microsoft.com/office/drawing/2014/main" id="{66D61E08-70C3-48D8-BEA0-787111DC30DA}"/>
               </a:ext>
               <a:ext uri="{C183D7F6-B498-43B3-948B-1728B52AA6E4}">
-                <adec:decorative xmlns:adec="http://schemas.microsoft.com/office/drawing/2017/decorative" xmlns="" val="1"/>
+                <adec:decorative xmlns="" xmlns:adec="http://schemas.microsoft.com/office/drawing/2017/decorative" val="1"/>
               </a:ext>
             </a:extLst>
           </p:cNvPr>
@@ -16054,7 +17001,7 @@
                 <a16:creationId xmlns:a16="http://schemas.microsoft.com/office/drawing/2014/main" id="{FC55298F-0AE5-478E-AD2B-03C2614C5833}"/>
               </a:ext>
               <a:ext uri="{C183D7F6-B498-43B3-948B-1728B52AA6E4}">
-                <adec:decorative xmlns:adec="http://schemas.microsoft.com/office/drawing/2017/decorative" xmlns="" val="1"/>
+                <adec:decorative xmlns="" xmlns:adec="http://schemas.microsoft.com/office/drawing/2017/decorative" val="1"/>
               </a:ext>
             </a:extLst>
           </p:cNvPr>
@@ -16134,7 +17081,7 @@
                 <a16:creationId xmlns:a16="http://schemas.microsoft.com/office/drawing/2014/main" id="{C180E4EA-0B63-4779-A895-7E90E71088F3}"/>
               </a:ext>
               <a:ext uri="{C183D7F6-B498-43B3-948B-1728B52AA6E4}">
-                <adec:decorative xmlns:adec="http://schemas.microsoft.com/office/drawing/2017/decorative" xmlns="" val="1"/>
+                <adec:decorative xmlns="" xmlns:adec="http://schemas.microsoft.com/office/drawing/2017/decorative" val="1"/>
               </a:ext>
             </a:extLst>
           </p:cNvPr>
@@ -16192,7 +17139,7 @@
                 <a16:creationId xmlns:a16="http://schemas.microsoft.com/office/drawing/2014/main" id="{CEE01D9D-3DE8-4EED-B0D3-8F3C79CC7673}"/>
               </a:ext>
               <a:ext uri="{C183D7F6-B498-43B3-948B-1728B52AA6E4}">
-                <adec:decorative xmlns:adec="http://schemas.microsoft.com/office/drawing/2017/decorative" xmlns="" val="1"/>
+                <adec:decorative xmlns="" xmlns:adec="http://schemas.microsoft.com/office/drawing/2017/decorative" val="1"/>
               </a:ext>
             </a:extLst>
           </p:cNvPr>
@@ -16273,7 +17220,7 @@
                 <a16:creationId xmlns:a16="http://schemas.microsoft.com/office/drawing/2014/main" id="{89AF5CE9-607F-43F4-8983-DCD6DA4051FD}"/>
               </a:ext>
               <a:ext uri="{C183D7F6-B498-43B3-948B-1728B52AA6E4}">
-                <adec:decorative xmlns:adec="http://schemas.microsoft.com/office/drawing/2017/decorative" xmlns="" val="1"/>
+                <adec:decorative xmlns="" xmlns:adec="http://schemas.microsoft.com/office/drawing/2017/decorative" val="1"/>
               </a:ext>
             </a:extLst>
           </p:cNvPr>
@@ -16355,7 +17302,7 @@
                 <a16:creationId xmlns:a16="http://schemas.microsoft.com/office/drawing/2014/main" id="{6EEA2DBD-9E1E-4521-8C01-F32AD18A89E3}"/>
               </a:ext>
               <a:ext uri="{C183D7F6-B498-43B3-948B-1728B52AA6E4}">
-                <adec:decorative xmlns:adec="http://schemas.microsoft.com/office/drawing/2017/decorative" xmlns="" val="1"/>
+                <adec:decorative xmlns="" xmlns:adec="http://schemas.microsoft.com/office/drawing/2017/decorative" val="1"/>
               </a:ext>
             </a:extLst>
           </p:cNvPr>
@@ -16435,7 +17382,7 @@
                 <a16:creationId xmlns:a16="http://schemas.microsoft.com/office/drawing/2014/main" id="{15BBD2C1-BA9B-46A9-A27A-33498B169272}"/>
               </a:ext>
               <a:ext uri="{C183D7F6-B498-43B3-948B-1728B52AA6E4}">
-                <adec:decorative xmlns:adec="http://schemas.microsoft.com/office/drawing/2017/decorative" xmlns="" val="1"/>
+                <adec:decorative xmlns="" xmlns:adec="http://schemas.microsoft.com/office/drawing/2017/decorative" val="1"/>
               </a:ext>
             </a:extLst>
           </p:cNvPr>
@@ -16507,6 +17454,13 @@
       </p:transition>
     </mc:Fallback>
   </mc:AlternateContent>
+  <p:timing>
+    <p:tnLst>
+      <p:par>
+        <p:cTn id="1" dur="indefinite" restart="never" nodeType="tmRoot"/>
+      </p:par>
+    </p:tnLst>
+  </p:timing>
 </p:sld>
 </file>
 
@@ -16728,6 +17682,13 @@
       </p:transition>
     </mc:Fallback>
   </mc:AlternateContent>
+  <p:timing>
+    <p:tnLst>
+      <p:par>
+        <p:cTn id="1" dur="indefinite" restart="never" nodeType="tmRoot"/>
+      </p:par>
+    </p:tnLst>
+  </p:timing>
 </p:sld>
 </file>
 
@@ -16750,68 +17711,6 @@
       </p:grpSpPr>
       <p:sp>
         <p:nvSpPr>
-          <p:cNvPr id="2" name="Titre 1">
-            <a:extLst>
-              <a:ext uri="{FF2B5EF4-FFF2-40B4-BE49-F238E27FC236}">
-                <a16:creationId xmlns:a16="http://schemas.microsoft.com/office/drawing/2014/main" id="{7CDFB3F9-41D8-4809-8D2E-BB4707FFAD3D}"/>
-              </a:ext>
-            </a:extLst>
-          </p:cNvPr>
-          <p:cNvSpPr>
-            <a:spLocks noGrp="1"/>
-          </p:cNvSpPr>
-          <p:nvPr>
-            <p:ph type="title"/>
-          </p:nvPr>
-        </p:nvSpPr>
-        <p:spPr/>
-        <p:txBody>
-          <a:bodyPr/>
-          <a:lstStyle/>
-          <a:p>
-            <a:pPr algn="ctr"/>
-            <a:r>
-              <a:rPr lang="fr-FR" dirty="0"/>
-              <a:t>INTRODUCTION</a:t>
-            </a:r>
-          </a:p>
-        </p:txBody>
-      </p:sp>
-      <p:sp>
-        <p:nvSpPr>
-          <p:cNvPr id="3" name="Espace réservé du contenu 2">
-            <a:extLst>
-              <a:ext uri="{FF2B5EF4-FFF2-40B4-BE49-F238E27FC236}">
-                <a16:creationId xmlns:a16="http://schemas.microsoft.com/office/drawing/2014/main" id="{D25E235B-3AD8-4498-9ED7-B930F6D6DE86}"/>
-              </a:ext>
-            </a:extLst>
-          </p:cNvPr>
-          <p:cNvSpPr>
-            <a:spLocks noGrp="1"/>
-          </p:cNvSpPr>
-          <p:nvPr>
-            <p:ph idx="1"/>
-          </p:nvPr>
-        </p:nvSpPr>
-        <p:spPr/>
-        <p:txBody>
-          <a:bodyPr>
-            <a:normAutofit/>
-          </a:bodyPr>
-          <a:lstStyle/>
-          <a:p>
-            <a:pPr marL="0" indent="0">
-              <a:buNone/>
-            </a:pPr>
-            <a:r>
-              <a:rPr lang="fr-FR" sz="2800" dirty="0"/>
-              <a:t>Avec le réchauffement climatique, la météo devient un outil indispensable pour prévenir les risques car si les experts ne sont pas tous en accord sur la multiplication des phénomènes climatiques tels que les tempêtes, ouragans, épisodes méditerranéens… Ils sont unanimes sur le fait que ceux-ci seront plus intenses à l’avenir.</a:t>
-            </a:r>
-          </a:p>
-        </p:txBody>
-      </p:sp>
-      <p:sp>
-        <p:nvSpPr>
           <p:cNvPr id="4" name="Espace réservé du pied de page 3">
             <a:extLst>
               <a:ext uri="{FF2B5EF4-FFF2-40B4-BE49-F238E27FC236}">
@@ -16838,6 +17737,52 @@
           </a:p>
         </p:txBody>
       </p:sp>
+      <p:pic>
+        <p:nvPicPr>
+          <p:cNvPr id="6" name="Image 5"/>
+          <p:cNvPicPr>
+            <a:picLocks noChangeAspect="1"/>
+          </p:cNvPicPr>
+          <p:nvPr/>
+        </p:nvPicPr>
+        <p:blipFill>
+          <a:blip r:embed="rId3">
+            <a:extLst>
+              <a:ext uri="{28A0092B-C50C-407E-A947-70E740481C1C}">
+                <a14:useLocalDpi xmlns:a14="http://schemas.microsoft.com/office/drawing/2010/main" val="0"/>
+              </a:ext>
+            </a:extLst>
+          </a:blip>
+          <a:stretch>
+            <a:fillRect/>
+          </a:stretch>
+        </p:blipFill>
+        <p:spPr>
+          <a:xfrm>
+            <a:off x="928346" y="1436423"/>
+            <a:ext cx="8096593" cy="3431413"/>
+          </a:xfrm>
+          <a:prstGeom prst="round2DiagRect">
+            <a:avLst>
+              <a:gd name="adj1" fmla="val 16667"/>
+              <a:gd name="adj2" fmla="val 0"/>
+            </a:avLst>
+          </a:prstGeom>
+          <a:ln w="88900" cap="sq">
+            <a:solidFill>
+              <a:srgbClr val="FFFFFF"/>
+            </a:solidFill>
+            <a:miter lim="800000"/>
+          </a:ln>
+          <a:effectLst>
+            <a:outerShdw blurRad="254000" algn="tl" rotWithShape="0">
+              <a:srgbClr val="000000">
+                <a:alpha val="43000"/>
+              </a:srgbClr>
+            </a:outerShdw>
+          </a:effectLst>
+        </p:spPr>
+      </p:pic>
     </p:spTree>
     <p:extLst>
       <p:ext uri="{BB962C8B-B14F-4D97-AF65-F5344CB8AC3E}">
@@ -16860,6 +17805,13 @@
       </p:transition>
     </mc:Fallback>
   </mc:AlternateContent>
+  <p:timing>
+    <p:tnLst>
+      <p:par>
+        <p:cTn id="1" dur="indefinite" restart="never" nodeType="tmRoot"/>
+      </p:par>
+    </p:tnLst>
+  </p:timing>
 </p:sld>
 </file>
 
@@ -16911,56 +17863,6 @@
       </p:sp>
       <p:sp>
         <p:nvSpPr>
-          <p:cNvPr id="3" name="Espace réservé du contenu 2">
-            <a:extLst>
-              <a:ext uri="{FF2B5EF4-FFF2-40B4-BE49-F238E27FC236}">
-                <a16:creationId xmlns:a16="http://schemas.microsoft.com/office/drawing/2014/main" id="{703A1A18-3470-4516-A397-CB8F55474FE4}"/>
-              </a:ext>
-            </a:extLst>
-          </p:cNvPr>
-          <p:cNvSpPr>
-            <a:spLocks noGrp="1"/>
-          </p:cNvSpPr>
-          <p:nvPr>
-            <p:ph idx="1"/>
-          </p:nvPr>
-        </p:nvSpPr>
-        <p:spPr/>
-        <p:txBody>
-          <a:bodyPr>
-            <a:normAutofit/>
-          </a:bodyPr>
-          <a:lstStyle/>
-          <a:p>
-            <a:pPr>
-              <a:buFont typeface="Wingdings" panose="05000000000000000000" pitchFamily="2" charset="2"/>
-              <a:buChar char="v"/>
-            </a:pPr>
-            <a:r>
-              <a:rPr lang="fr-FR" dirty="0"/>
-              <a:t>Une station météo mesure généralement les paramètres environnementaux suivants : la température de l’air, l’humidité relative, la pression atmosphérique, les cumuls des précipitations, l’intensité des précipitations, la vitesse et la direction du vent, les rayonnements solaires. Ces données sont très utiles, elles permettent de quantifier le cycle de l’eau, de prévoir le temps à l’avance, ou encore de prédire les différents dangers naturels qui pourraient survenir. Elles permettent surtout de faire des statistiques en calculant par exemple les températures moyennes sur un hiver et de les comparer par rapport aux “normales saisonnières”.</a:t>
-            </a:r>
-          </a:p>
-          <a:p>
-            <a:pPr>
-              <a:buFont typeface="Wingdings" panose="05000000000000000000" pitchFamily="2" charset="2"/>
-              <a:buChar char="v"/>
-            </a:pPr>
-            <a:r>
-              <a:rPr lang="fr-FR" dirty="0"/>
-              <a:t>Notre projet consistera à mettre en place une station météorologique qui collecte des données de capteurs, les stocke sur un serveur dans un Base de Données et les exploite pour faire des analyses et les affiche. Cet affichage peut se faire à distance via une appli mobile et/ou web.</a:t>
-            </a:r>
-          </a:p>
-          <a:p>
-            <a:pPr marL="0" indent="0">
-              <a:buNone/>
-            </a:pPr>
-            <a:endParaRPr lang="fr-FR" dirty="0"/>
-          </a:p>
-        </p:txBody>
-      </p:sp>
-      <p:sp>
-        <p:nvSpPr>
           <p:cNvPr id="4" name="Espace réservé du pied de page 3">
             <a:extLst>
               <a:ext uri="{FF2B5EF4-FFF2-40B4-BE49-F238E27FC236}">
@@ -16987,6 +17889,60 @@
           </a:p>
         </p:txBody>
       </p:sp>
+      <p:pic>
+        <p:nvPicPr>
+          <p:cNvPr id="5" name="Image 4"/>
+          <p:cNvPicPr>
+            <a:picLocks noChangeAspect="1"/>
+          </p:cNvPicPr>
+          <p:nvPr/>
+        </p:nvPicPr>
+        <p:blipFill>
+          <a:blip r:embed="rId3">
+            <a:extLst>
+              <a:ext uri="{28A0092B-C50C-407E-A947-70E740481C1C}">
+                <a14:useLocalDpi xmlns:a14="http://schemas.microsoft.com/office/drawing/2010/main" val="0"/>
+              </a:ext>
+            </a:extLst>
+          </a:blip>
+          <a:stretch>
+            <a:fillRect/>
+          </a:stretch>
+        </p:blipFill>
+        <p:spPr>
+          <a:xfrm>
+            <a:off x="1259796" y="1459069"/>
+            <a:ext cx="7431744" cy="4947418"/>
+          </a:xfrm>
+          <a:prstGeom prst="ellipse">
+            <a:avLst/>
+          </a:prstGeom>
+          <a:ln w="63500" cap="rnd">
+            <a:solidFill>
+              <a:srgbClr val="333333"/>
+            </a:solidFill>
+          </a:ln>
+          <a:effectLst>
+            <a:outerShdw blurRad="381000" dist="292100" dir="5400000" sx="-80000" sy="-18000" rotWithShape="0">
+              <a:srgbClr val="000000">
+                <a:alpha val="22000"/>
+              </a:srgbClr>
+            </a:outerShdw>
+          </a:effectLst>
+          <a:scene3d>
+            <a:camera prst="orthographicFront"/>
+            <a:lightRig rig="contrasting" dir="t">
+              <a:rot lat="0" lon="0" rev="3000000"/>
+            </a:lightRig>
+          </a:scene3d>
+          <a:sp3d contourW="7620">
+            <a:bevelT w="95250" h="31750"/>
+            <a:contourClr>
+              <a:srgbClr val="333333"/>
+            </a:contourClr>
+          </a:sp3d>
+        </p:spPr>
+      </p:pic>
     </p:spTree>
     <p:extLst>
       <p:ext uri="{BB962C8B-B14F-4D97-AF65-F5344CB8AC3E}">
@@ -17009,6 +17965,13 @@
       </p:transition>
     </mc:Fallback>
   </mc:AlternateContent>
+  <p:timing>
+    <p:tnLst>
+      <p:par>
+        <p:cTn id="1" dur="indefinite" restart="never" nodeType="tmRoot"/>
+      </p:par>
+    </p:tnLst>
+  </p:timing>
 </p:sld>
 </file>
 
@@ -17110,7 +18073,7 @@
           <p:nvPr/>
         </p:nvPicPr>
         <p:blipFill>
-          <a:blip r:embed="rId2" cstate="print">
+          <a:blip r:embed="rId3" cstate="print">
             <a:extLst>
               <a:ext uri="{28A0092B-C50C-407E-A947-70E740481C1C}">
                 <a14:useLocalDpi xmlns:a14="http://schemas.microsoft.com/office/drawing/2010/main" val="0"/>
@@ -17333,6 +18296,13 @@
       </p:transition>
     </mc:Fallback>
   </mc:AlternateContent>
+  <p:timing>
+    <p:tnLst>
+      <p:par>
+        <p:cTn id="1" dur="indefinite" restart="never" nodeType="tmRoot"/>
+      </p:par>
+    </p:tnLst>
+  </p:timing>
 </p:sld>
 </file>
 
@@ -17556,6 +18526,13 @@
       </p:transition>
     </mc:Fallback>
   </mc:AlternateContent>
+  <p:timing>
+    <p:tnLst>
+      <p:par>
+        <p:cTn id="1" dur="indefinite" restart="never" nodeType="tmRoot"/>
+      </p:par>
+    </p:tnLst>
+  </p:timing>
 </p:sld>
 </file>
 
@@ -17693,6 +18670,13 @@
       </p:transition>
     </mc:Fallback>
   </mc:AlternateContent>
+  <p:timing>
+    <p:tnLst>
+      <p:par>
+        <p:cTn id="1" dur="indefinite" restart="never" nodeType="tmRoot"/>
+      </p:par>
+    </p:tnLst>
+  </p:timing>
 </p:sld>
 </file>
 
@@ -17823,6 +18807,13 @@
       </p:transition>
     </mc:Fallback>
   </mc:AlternateContent>
+  <p:timing>
+    <p:tnLst>
+      <p:par>
+        <p:cTn id="1" dur="indefinite" restart="never" nodeType="tmRoot"/>
+      </p:par>
+    </p:tnLst>
+  </p:timing>
 </p:sld>
 </file>
 
@@ -17859,7 +18850,7 @@
                 <a16:creationId xmlns:a16="http://schemas.microsoft.com/office/drawing/2014/main" id="{1A31CB30-E0E7-4B2C-A3A3-816872C287B4}"/>
               </a:ext>
               <a:ext uri="{C183D7F6-B498-43B3-948B-1728B52AA6E4}">
-                <adec:decorative xmlns:adec="http://schemas.microsoft.com/office/drawing/2017/decorative" xmlns="" val="1"/>
+                <adec:decorative xmlns="" xmlns:adec="http://schemas.microsoft.com/office/drawing/2017/decorative" val="1"/>
               </a:ext>
             </a:extLst>
           </p:cNvPr>
@@ -17890,7 +18881,7 @@
                   <a16:creationId xmlns:a16="http://schemas.microsoft.com/office/drawing/2014/main" id="{05AD4E29-B61A-40BE-97BC-68E77C1EB706}"/>
                 </a:ext>
                 <a:ext uri="{C183D7F6-B498-43B3-948B-1728B52AA6E4}">
-                  <adec:decorative xmlns:adec="http://schemas.microsoft.com/office/drawing/2017/decorative" xmlns="" val="1"/>
+                  <adec:decorative xmlns="" xmlns:adec="http://schemas.microsoft.com/office/drawing/2017/decorative" val="1"/>
                 </a:ext>
               </a:extLst>
             </p:cNvPr>
@@ -17942,7 +18933,7 @@
                   <a16:creationId xmlns:a16="http://schemas.microsoft.com/office/drawing/2014/main" id="{CC18DED4-B929-47C8-B57F-F3C890143201}"/>
                 </a:ext>
                 <a:ext uri="{C183D7F6-B498-43B3-948B-1728B52AA6E4}">
-                  <adec:decorative xmlns:adec="http://schemas.microsoft.com/office/drawing/2017/decorative" xmlns="" val="1"/>
+                  <adec:decorative xmlns="" xmlns:adec="http://schemas.microsoft.com/office/drawing/2017/decorative" val="1"/>
                 </a:ext>
               </a:extLst>
             </p:cNvPr>
@@ -17994,7 +18985,7 @@
                   <a16:creationId xmlns:a16="http://schemas.microsoft.com/office/drawing/2014/main" id="{8214A095-576F-461F-A154-1FC4202D7193}"/>
                 </a:ext>
                 <a:ext uri="{C183D7F6-B498-43B3-948B-1728B52AA6E4}">
-                  <adec:decorative xmlns:adec="http://schemas.microsoft.com/office/drawing/2017/decorative" xmlns="" val="1"/>
+                  <adec:decorative xmlns="" xmlns:adec="http://schemas.microsoft.com/office/drawing/2017/decorative" val="1"/>
                 </a:ext>
               </a:extLst>
             </p:cNvPr>
@@ -18072,7 +19063,7 @@
                   <a16:creationId xmlns:a16="http://schemas.microsoft.com/office/drawing/2014/main" id="{515F2694-7885-4B84-A9A1-A55707FE6A26}"/>
                 </a:ext>
                 <a:ext uri="{C183D7F6-B498-43B3-948B-1728B52AA6E4}">
-                  <adec:decorative xmlns:adec="http://schemas.microsoft.com/office/drawing/2017/decorative" xmlns="" val="1"/>
+                  <adec:decorative xmlns="" xmlns:adec="http://schemas.microsoft.com/office/drawing/2017/decorative" val="1"/>
                 </a:ext>
               </a:extLst>
             </p:cNvPr>
@@ -18150,7 +19141,7 @@
                   <a16:creationId xmlns:a16="http://schemas.microsoft.com/office/drawing/2014/main" id="{0542D629-79A6-44ED-AC25-F55A6E2A24F3}"/>
                 </a:ext>
                 <a:ext uri="{C183D7F6-B498-43B3-948B-1728B52AA6E4}">
-                  <adec:decorative xmlns:adec="http://schemas.microsoft.com/office/drawing/2017/decorative" xmlns="" val="1"/>
+                  <adec:decorative xmlns="" xmlns:adec="http://schemas.microsoft.com/office/drawing/2017/decorative" val="1"/>
                 </a:ext>
               </a:extLst>
             </p:cNvPr>
@@ -18206,7 +19197,7 @@
                   <a16:creationId xmlns:a16="http://schemas.microsoft.com/office/drawing/2014/main" id="{B41D9E3C-5E56-476D-9AD3-BFB8B56314E0}"/>
                 </a:ext>
                 <a:ext uri="{C183D7F6-B498-43B3-948B-1728B52AA6E4}">
-                  <adec:decorative xmlns:adec="http://schemas.microsoft.com/office/drawing/2017/decorative" xmlns="" val="1"/>
+                  <adec:decorative xmlns="" xmlns:adec="http://schemas.microsoft.com/office/drawing/2017/decorative" val="1"/>
                 </a:ext>
               </a:extLst>
             </p:cNvPr>
@@ -18285,7 +19276,7 @@
                   <a16:creationId xmlns:a16="http://schemas.microsoft.com/office/drawing/2014/main" id="{8F87D754-D0AA-499C-81E1-80EC0595EA9F}"/>
                 </a:ext>
                 <a:ext uri="{C183D7F6-B498-43B3-948B-1728B52AA6E4}">
-                  <adec:decorative xmlns:adec="http://schemas.microsoft.com/office/drawing/2017/decorative" xmlns="" val="1"/>
+                  <adec:decorative xmlns="" xmlns:adec="http://schemas.microsoft.com/office/drawing/2017/decorative" val="1"/>
                 </a:ext>
               </a:extLst>
             </p:cNvPr>
@@ -18364,7 +19355,7 @@
                   <a16:creationId xmlns:a16="http://schemas.microsoft.com/office/drawing/2014/main" id="{970C55C7-6473-4215-A4E7-EAF80DCBC0CE}"/>
                 </a:ext>
                 <a:ext uri="{C183D7F6-B498-43B3-948B-1728B52AA6E4}">
-                  <adec:decorative xmlns:adec="http://schemas.microsoft.com/office/drawing/2017/decorative" xmlns="" val="1"/>
+                  <adec:decorative xmlns="" xmlns:adec="http://schemas.microsoft.com/office/drawing/2017/decorative" val="1"/>
                 </a:ext>
               </a:extLst>
             </p:cNvPr>
@@ -18443,7 +19434,7 @@
                   <a16:creationId xmlns:a16="http://schemas.microsoft.com/office/drawing/2014/main" id="{CA11488B-749A-4380-B3CA-44459353149C}"/>
                 </a:ext>
                 <a:ext uri="{C183D7F6-B498-43B3-948B-1728B52AA6E4}">
-                  <adec:decorative xmlns:adec="http://schemas.microsoft.com/office/drawing/2017/decorative" xmlns="" val="1"/>
+                  <adec:decorative xmlns="" xmlns:adec="http://schemas.microsoft.com/office/drawing/2017/decorative" val="1"/>
                 </a:ext>
               </a:extLst>
             </p:cNvPr>
@@ -18500,7 +19491,7 @@
                   <a16:creationId xmlns:a16="http://schemas.microsoft.com/office/drawing/2014/main" id="{E11E930F-4EA6-4224-8AF2-950E5097231A}"/>
                 </a:ext>
                 <a:ext uri="{C183D7F6-B498-43B3-948B-1728B52AA6E4}">
-                  <adec:decorative xmlns:adec="http://schemas.microsoft.com/office/drawing/2017/decorative" xmlns="" val="1"/>
+                  <adec:decorative xmlns="" xmlns:adec="http://schemas.microsoft.com/office/drawing/2017/decorative" val="1"/>
                 </a:ext>
               </a:extLst>
             </p:cNvPr>
@@ -19512,6 +20503,13 @@
       </p:transition>
     </mc:Fallback>
   </mc:AlternateContent>
+  <p:timing>
+    <p:tnLst>
+      <p:par>
+        <p:cTn id="1" dur="indefinite" restart="never" nodeType="tmRoot"/>
+      </p:par>
+    </p:tnLst>
+  </p:timing>
 </p:sld>
 </file>
 
